--- a/Exeter MBA/1SLA23 - Leading People and Organisations/Assignment 2/Assignment 2 - BoE Cyber Security Leadership Strategy.pptx
+++ b/Exeter MBA/1SLA23 - Leading People and Organisations/Assignment 2/Assignment 2 - BoE Cyber Security Leadership Strategy.pptx
@@ -130,7 +130,7 @@
 <file path=ppt/revisionInfo.xml><?xml version="1.0" encoding="utf-8"?>
 <p1510:revInfo xmlns:a="http://schemas.openxmlformats.org/drawingml/2006/main" xmlns:r="http://schemas.openxmlformats.org/officeDocument/2006/relationships" xmlns:p1510="http://schemas.microsoft.com/office/powerpoint/2015/10/main">
   <p1510:revLst>
-    <p1510:client id="{1FDC8049-11C0-46B6-8297-25BF78D2D060}" v="13" dt="2023-11-25T16:42:19.098"/>
+    <p1510:client id="{1FDC8049-11C0-46B6-8297-25BF78D2D060}" v="22" dt="2023-11-25T17:58:42.895"/>
   </p1510:revLst>
 </p1510:revInfo>
 </file>
@@ -140,7 +140,7 @@
   <pc:docChgLst>
     <pc:chgData name="Vincent King" userId="f96d9c2d90ad25d7" providerId="LiveId" clId="{1FDC8049-11C0-46B6-8297-25BF78D2D060}"/>
     <pc:docChg chg="undo custSel addSld delSld modSld sldOrd">
-      <pc:chgData name="Vincent King" userId="f96d9c2d90ad25d7" providerId="LiveId" clId="{1FDC8049-11C0-46B6-8297-25BF78D2D060}" dt="2023-11-25T16:42:45.465" v="217" actId="20577"/>
+      <pc:chgData name="Vincent King" userId="f96d9c2d90ad25d7" providerId="LiveId" clId="{1FDC8049-11C0-46B6-8297-25BF78D2D060}" dt="2023-11-25T17:58:51.867" v="340" actId="20577"/>
       <pc:docMkLst>
         <pc:docMk/>
       </pc:docMkLst>
@@ -278,7 +278,7 @@
         </pc:sldMkLst>
       </pc:sldChg>
       <pc:sldChg chg="addSp delSp modSp new mod modClrScheme chgLayout">
-        <pc:chgData name="Vincent King" userId="f96d9c2d90ad25d7" providerId="LiveId" clId="{1FDC8049-11C0-46B6-8297-25BF78D2D060}" dt="2023-11-25T16:17:50.504" v="53" actId="700"/>
+        <pc:chgData name="Vincent King" userId="f96d9c2d90ad25d7" providerId="LiveId" clId="{1FDC8049-11C0-46B6-8297-25BF78D2D060}" dt="2023-11-25T17:58:51.867" v="340" actId="20577"/>
         <pc:sldMkLst>
           <pc:docMk/>
           <pc:sldMk cId="980752254" sldId="396"/>
@@ -289,6 +289,14 @@
             <pc:docMk/>
             <pc:sldMk cId="980752254" sldId="396"/>
             <ac:spMk id="2" creationId="{1D8243B4-D498-282B-BC58-067397F26F51}"/>
+          </ac:spMkLst>
+        </pc:spChg>
+        <pc:spChg chg="add mod">
+          <ac:chgData name="Vincent King" userId="f96d9c2d90ad25d7" providerId="LiveId" clId="{1FDC8049-11C0-46B6-8297-25BF78D2D060}" dt="2023-11-25T17:48:07.218" v="251" actId="6549"/>
+          <ac:spMkLst>
+            <pc:docMk/>
+            <pc:sldMk cId="980752254" sldId="396"/>
+            <ac:spMk id="3" creationId="{4F7E69E1-D11A-D7F3-9E60-8CEC4540DCF5}"/>
           </ac:spMkLst>
         </pc:spChg>
         <pc:spChg chg="del mod ord">
@@ -307,6 +315,14 @@
             <ac:spMk id="4" creationId="{1603083E-7C77-A651-0AA8-D0C0D2DF3F3B}"/>
           </ac:spMkLst>
         </pc:spChg>
+        <pc:spChg chg="add mod">
+          <ac:chgData name="Vincent King" userId="f96d9c2d90ad25d7" providerId="LiveId" clId="{1FDC8049-11C0-46B6-8297-25BF78D2D060}" dt="2023-11-25T17:48:10.580" v="252" actId="6549"/>
+          <ac:spMkLst>
+            <pc:docMk/>
+            <pc:sldMk cId="980752254" sldId="396"/>
+            <ac:spMk id="4" creationId="{41EC842B-7038-5CD3-1662-EA900814C78B}"/>
+          </ac:spMkLst>
+        </pc:spChg>
         <pc:spChg chg="del mod ord">
           <ac:chgData name="Vincent King" userId="f96d9c2d90ad25d7" providerId="LiveId" clId="{1FDC8049-11C0-46B6-8297-25BF78D2D060}" dt="2023-11-25T16:17:50.504" v="53" actId="700"/>
           <ac:spMkLst>
@@ -316,29 +332,245 @@
           </ac:spMkLst>
         </pc:spChg>
         <pc:spChg chg="add mod ord">
-          <ac:chgData name="Vincent King" userId="f96d9c2d90ad25d7" providerId="LiveId" clId="{1FDC8049-11C0-46B6-8297-25BF78D2D060}" dt="2023-11-25T16:17:50.504" v="53" actId="700"/>
+          <ac:chgData name="Vincent King" userId="f96d9c2d90ad25d7" providerId="LiveId" clId="{1FDC8049-11C0-46B6-8297-25BF78D2D060}" dt="2023-11-25T17:47:11.395" v="246" actId="20577"/>
           <ac:spMkLst>
             <pc:docMk/>
             <pc:sldMk cId="980752254" sldId="396"/>
             <ac:spMk id="6" creationId="{26F113F9-DFDC-8BAC-FC9A-F371B0A25805}"/>
           </ac:spMkLst>
         </pc:spChg>
-        <pc:spChg chg="add mod ord">
-          <ac:chgData name="Vincent King" userId="f96d9c2d90ad25d7" providerId="LiveId" clId="{1FDC8049-11C0-46B6-8297-25BF78D2D060}" dt="2023-11-25T16:17:50.504" v="53" actId="700"/>
+        <pc:spChg chg="add del mod ord">
+          <ac:chgData name="Vincent King" userId="f96d9c2d90ad25d7" providerId="LiveId" clId="{1FDC8049-11C0-46B6-8297-25BF78D2D060}" dt="2023-11-25T17:47:45.363" v="249" actId="478"/>
           <ac:spMkLst>
             <pc:docMk/>
             <pc:sldMk cId="980752254" sldId="396"/>
             <ac:spMk id="7" creationId="{7E188A03-E591-BCF1-0220-C89A474278D3}"/>
           </ac:spMkLst>
         </pc:spChg>
-        <pc:spChg chg="add mod ord">
-          <ac:chgData name="Vincent King" userId="f96d9c2d90ad25d7" providerId="LiveId" clId="{1FDC8049-11C0-46B6-8297-25BF78D2D060}" dt="2023-11-25T16:17:50.504" v="53" actId="700"/>
+        <pc:spChg chg="add del mod ord">
+          <ac:chgData name="Vincent King" userId="f96d9c2d90ad25d7" providerId="LiveId" clId="{1FDC8049-11C0-46B6-8297-25BF78D2D060}" dt="2023-11-25T17:47:43.495" v="248" actId="478"/>
           <ac:spMkLst>
             <pc:docMk/>
             <pc:sldMk cId="980752254" sldId="396"/>
             <ac:spMk id="8" creationId="{3ABCC226-C790-B149-8866-1DE93FD1AF1E}"/>
           </ac:spMkLst>
         </pc:spChg>
+        <pc:spChg chg="add mod">
+          <ac:chgData name="Vincent King" userId="f96d9c2d90ad25d7" providerId="LiveId" clId="{1FDC8049-11C0-46B6-8297-25BF78D2D060}" dt="2023-11-25T17:48:22.125" v="253" actId="6549"/>
+          <ac:spMkLst>
+            <pc:docMk/>
+            <pc:sldMk cId="980752254" sldId="396"/>
+            <ac:spMk id="16" creationId="{5CE12690-71B2-1F51-C537-4E6328CBD08E}"/>
+          </ac:spMkLst>
+        </pc:spChg>
+        <pc:spChg chg="add mod">
+          <ac:chgData name="Vincent King" userId="f96d9c2d90ad25d7" providerId="LiveId" clId="{1FDC8049-11C0-46B6-8297-25BF78D2D060}" dt="2023-11-25T17:48:25.951" v="254" actId="6549"/>
+          <ac:spMkLst>
+            <pc:docMk/>
+            <pc:sldMk cId="980752254" sldId="396"/>
+            <ac:spMk id="18" creationId="{11881CE4-4F6F-BAA4-038E-450C1D82647E}"/>
+          </ac:spMkLst>
+        </pc:spChg>
+        <pc:spChg chg="add mod">
+          <ac:chgData name="Vincent King" userId="f96d9c2d90ad25d7" providerId="LiveId" clId="{1FDC8049-11C0-46B6-8297-25BF78D2D060}" dt="2023-11-25T17:48:29.967" v="255" actId="6549"/>
+          <ac:spMkLst>
+            <pc:docMk/>
+            <pc:sldMk cId="980752254" sldId="396"/>
+            <ac:spMk id="19" creationId="{1027D65B-F92C-ED1B-2F85-AC181FAA71F9}"/>
+          </ac:spMkLst>
+        </pc:spChg>
+        <pc:spChg chg="add mod">
+          <ac:chgData name="Vincent King" userId="f96d9c2d90ad25d7" providerId="LiveId" clId="{1FDC8049-11C0-46B6-8297-25BF78D2D060}" dt="2023-11-25T17:48:35.863" v="256" actId="6549"/>
+          <ac:spMkLst>
+            <pc:docMk/>
+            <pc:sldMk cId="980752254" sldId="396"/>
+            <ac:spMk id="20" creationId="{5C552DF3-0C9E-A404-752A-D35F68C0D741}"/>
+          </ac:spMkLst>
+        </pc:spChg>
+        <pc:spChg chg="add mod">
+          <ac:chgData name="Vincent King" userId="f96d9c2d90ad25d7" providerId="LiveId" clId="{1FDC8049-11C0-46B6-8297-25BF78D2D060}" dt="2023-11-25T17:48:39.234" v="257" actId="6549"/>
+          <ac:spMkLst>
+            <pc:docMk/>
+            <pc:sldMk cId="980752254" sldId="396"/>
+            <ac:spMk id="21" creationId="{C129BEF0-1EFA-21F7-1137-38021B70C4BD}"/>
+          </ac:spMkLst>
+        </pc:spChg>
+        <pc:spChg chg="add mod">
+          <ac:chgData name="Vincent King" userId="f96d9c2d90ad25d7" providerId="LiveId" clId="{1FDC8049-11C0-46B6-8297-25BF78D2D060}" dt="2023-11-25T17:48:47.152" v="258" actId="6549"/>
+          <ac:spMkLst>
+            <pc:docMk/>
+            <pc:sldMk cId="980752254" sldId="396"/>
+            <ac:spMk id="23" creationId="{7AB7FEC3-2AB0-6523-7FD1-3F2BE3793947}"/>
+          </ac:spMkLst>
+        </pc:spChg>
+        <pc:spChg chg="add mod">
+          <ac:chgData name="Vincent King" userId="f96d9c2d90ad25d7" providerId="LiveId" clId="{1FDC8049-11C0-46B6-8297-25BF78D2D060}" dt="2023-11-25T17:48:55.348" v="260" actId="6549"/>
+          <ac:spMkLst>
+            <pc:docMk/>
+            <pc:sldMk cId="980752254" sldId="396"/>
+            <ac:spMk id="24" creationId="{C8AFADA5-B249-FB0F-C834-85D3DBB3FFBE}"/>
+          </ac:spMkLst>
+        </pc:spChg>
+        <pc:spChg chg="add mod">
+          <ac:chgData name="Vincent King" userId="f96d9c2d90ad25d7" providerId="LiveId" clId="{1FDC8049-11C0-46B6-8297-25BF78D2D060}" dt="2023-11-25T17:48:51.468" v="259" actId="6549"/>
+          <ac:spMkLst>
+            <pc:docMk/>
+            <pc:sldMk cId="980752254" sldId="396"/>
+            <ac:spMk id="26" creationId="{1DB09BCC-8205-C2E6-CC78-F5E31C6825DC}"/>
+          </ac:spMkLst>
+        </pc:spChg>
+        <pc:spChg chg="add mod">
+          <ac:chgData name="Vincent King" userId="f96d9c2d90ad25d7" providerId="LiveId" clId="{1FDC8049-11C0-46B6-8297-25BF78D2D060}" dt="2023-11-25T17:51:15.666" v="278" actId="20577"/>
+          <ac:spMkLst>
+            <pc:docMk/>
+            <pc:sldMk cId="980752254" sldId="396"/>
+            <ac:spMk id="27" creationId="{8F6BA753-F41F-5B57-8C22-47465C77CD1C}"/>
+          </ac:spMkLst>
+        </pc:spChg>
+        <pc:spChg chg="add mod">
+          <ac:chgData name="Vincent King" userId="f96d9c2d90ad25d7" providerId="LiveId" clId="{1FDC8049-11C0-46B6-8297-25BF78D2D060}" dt="2023-11-25T17:51:45.525" v="296" actId="20577"/>
+          <ac:spMkLst>
+            <pc:docMk/>
+            <pc:sldMk cId="980752254" sldId="396"/>
+            <ac:spMk id="28" creationId="{46D5305B-C4FA-4C6D-08F3-EFEC6664583C}"/>
+          </ac:spMkLst>
+        </pc:spChg>
+        <pc:spChg chg="add mod">
+          <ac:chgData name="Vincent King" userId="f96d9c2d90ad25d7" providerId="LiveId" clId="{1FDC8049-11C0-46B6-8297-25BF78D2D060}" dt="2023-11-25T17:52:23.877" v="304" actId="20577"/>
+          <ac:spMkLst>
+            <pc:docMk/>
+            <pc:sldMk cId="980752254" sldId="396"/>
+            <ac:spMk id="29" creationId="{5540A8DE-6CE6-87F1-CCB6-EBF64307A664}"/>
+          </ac:spMkLst>
+        </pc:spChg>
+        <pc:spChg chg="add mod">
+          <ac:chgData name="Vincent King" userId="f96d9c2d90ad25d7" providerId="LiveId" clId="{1FDC8049-11C0-46B6-8297-25BF78D2D060}" dt="2023-11-25T17:53:01.188" v="308" actId="20577"/>
+          <ac:spMkLst>
+            <pc:docMk/>
+            <pc:sldMk cId="980752254" sldId="396"/>
+            <ac:spMk id="30" creationId="{D30A60A5-D6B4-3584-AE10-1181794427BA}"/>
+          </ac:spMkLst>
+        </pc:spChg>
+        <pc:spChg chg="add mod">
+          <ac:chgData name="Vincent King" userId="f96d9c2d90ad25d7" providerId="LiveId" clId="{1FDC8049-11C0-46B6-8297-25BF78D2D060}" dt="2023-11-25T17:58:01.577" v="330" actId="20577"/>
+          <ac:spMkLst>
+            <pc:docMk/>
+            <pc:sldMk cId="980752254" sldId="396"/>
+            <ac:spMk id="31" creationId="{B00B8D08-526C-D2A5-9C33-AF89FC581791}"/>
+          </ac:spMkLst>
+        </pc:spChg>
+        <pc:spChg chg="add mod">
+          <ac:chgData name="Vincent King" userId="f96d9c2d90ad25d7" providerId="LiveId" clId="{1FDC8049-11C0-46B6-8297-25BF78D2D060}" dt="2023-11-25T17:53:59.796" v="321" actId="1076"/>
+          <ac:spMkLst>
+            <pc:docMk/>
+            <pc:sldMk cId="980752254" sldId="396"/>
+            <ac:spMk id="32" creationId="{C6C0420C-1FC9-C74D-4EE3-2F83FCDB484C}"/>
+          </ac:spMkLst>
+        </pc:spChg>
+        <pc:spChg chg="add mod">
+          <ac:chgData name="Vincent King" userId="f96d9c2d90ad25d7" providerId="LiveId" clId="{1FDC8049-11C0-46B6-8297-25BF78D2D060}" dt="2023-11-25T17:58:28.047" v="336" actId="20577"/>
+          <ac:spMkLst>
+            <pc:docMk/>
+            <pc:sldMk cId="980752254" sldId="396"/>
+            <ac:spMk id="33" creationId="{4D7D7891-94A3-8F4D-2E64-EEFAC1B9CEC1}"/>
+          </ac:spMkLst>
+        </pc:spChg>
+        <pc:spChg chg="add mod">
+          <ac:chgData name="Vincent King" userId="f96d9c2d90ad25d7" providerId="LiveId" clId="{1FDC8049-11C0-46B6-8297-25BF78D2D060}" dt="2023-11-25T17:58:51.867" v="340" actId="20577"/>
+          <ac:spMkLst>
+            <pc:docMk/>
+            <pc:sldMk cId="980752254" sldId="396"/>
+            <ac:spMk id="34" creationId="{92EEE9A8-8509-70AA-95DD-EC1F51F937EC}"/>
+          </ac:spMkLst>
+        </pc:spChg>
+        <pc:cxnChg chg="add mod">
+          <ac:chgData name="Vincent King" userId="f96d9c2d90ad25d7" providerId="LiveId" clId="{1FDC8049-11C0-46B6-8297-25BF78D2D060}" dt="2023-11-25T17:48:02.231" v="250"/>
+          <ac:cxnSpMkLst>
+            <pc:docMk/>
+            <pc:sldMk cId="980752254" sldId="396"/>
+            <ac:cxnSpMk id="5" creationId="{2A4C0969-306B-07FA-CDDB-337075707AEC}"/>
+          </ac:cxnSpMkLst>
+        </pc:cxnChg>
+        <pc:cxnChg chg="add mod">
+          <ac:chgData name="Vincent King" userId="f96d9c2d90ad25d7" providerId="LiveId" clId="{1FDC8049-11C0-46B6-8297-25BF78D2D060}" dt="2023-11-25T17:48:02.231" v="250"/>
+          <ac:cxnSpMkLst>
+            <pc:docMk/>
+            <pc:sldMk cId="980752254" sldId="396"/>
+            <ac:cxnSpMk id="9" creationId="{57FE4A5A-8C82-AE42-FA30-CFA22C06D55A}"/>
+          </ac:cxnSpMkLst>
+        </pc:cxnChg>
+        <pc:cxnChg chg="add mod">
+          <ac:chgData name="Vincent King" userId="f96d9c2d90ad25d7" providerId="LiveId" clId="{1FDC8049-11C0-46B6-8297-25BF78D2D060}" dt="2023-11-25T17:48:02.231" v="250"/>
+          <ac:cxnSpMkLst>
+            <pc:docMk/>
+            <pc:sldMk cId="980752254" sldId="396"/>
+            <ac:cxnSpMk id="10" creationId="{EC95811F-1080-EF8E-1986-3E4C58F76352}"/>
+          </ac:cxnSpMkLst>
+        </pc:cxnChg>
+        <pc:cxnChg chg="add mod">
+          <ac:chgData name="Vincent King" userId="f96d9c2d90ad25d7" providerId="LiveId" clId="{1FDC8049-11C0-46B6-8297-25BF78D2D060}" dt="2023-11-25T17:48:02.231" v="250"/>
+          <ac:cxnSpMkLst>
+            <pc:docMk/>
+            <pc:sldMk cId="980752254" sldId="396"/>
+            <ac:cxnSpMk id="11" creationId="{368E766F-5391-9FE6-9673-2E6D5E4BBC83}"/>
+          </ac:cxnSpMkLst>
+        </pc:cxnChg>
+        <pc:cxnChg chg="add mod">
+          <ac:chgData name="Vincent King" userId="f96d9c2d90ad25d7" providerId="LiveId" clId="{1FDC8049-11C0-46B6-8297-25BF78D2D060}" dt="2023-11-25T17:48:02.231" v="250"/>
+          <ac:cxnSpMkLst>
+            <pc:docMk/>
+            <pc:sldMk cId="980752254" sldId="396"/>
+            <ac:cxnSpMk id="12" creationId="{990F910C-F24E-7494-95F7-0C093B8D1110}"/>
+          </ac:cxnSpMkLst>
+        </pc:cxnChg>
+        <pc:cxnChg chg="add mod">
+          <ac:chgData name="Vincent King" userId="f96d9c2d90ad25d7" providerId="LiveId" clId="{1FDC8049-11C0-46B6-8297-25BF78D2D060}" dt="2023-11-25T17:48:02.231" v="250"/>
+          <ac:cxnSpMkLst>
+            <pc:docMk/>
+            <pc:sldMk cId="980752254" sldId="396"/>
+            <ac:cxnSpMk id="13" creationId="{C192DAE4-E5C9-6153-C736-1B1BDCC06450}"/>
+          </ac:cxnSpMkLst>
+        </pc:cxnChg>
+        <pc:cxnChg chg="add mod">
+          <ac:chgData name="Vincent King" userId="f96d9c2d90ad25d7" providerId="LiveId" clId="{1FDC8049-11C0-46B6-8297-25BF78D2D060}" dt="2023-11-25T17:48:02.231" v="250"/>
+          <ac:cxnSpMkLst>
+            <pc:docMk/>
+            <pc:sldMk cId="980752254" sldId="396"/>
+            <ac:cxnSpMk id="14" creationId="{4495A1E2-9800-2ACE-F2E2-CBF47525CB81}"/>
+          </ac:cxnSpMkLst>
+        </pc:cxnChg>
+        <pc:cxnChg chg="add mod">
+          <ac:chgData name="Vincent King" userId="f96d9c2d90ad25d7" providerId="LiveId" clId="{1FDC8049-11C0-46B6-8297-25BF78D2D060}" dt="2023-11-25T17:48:02.231" v="250"/>
+          <ac:cxnSpMkLst>
+            <pc:docMk/>
+            <pc:sldMk cId="980752254" sldId="396"/>
+            <ac:cxnSpMk id="15" creationId="{89637973-AB64-5C80-3CE5-2CF6C1DC8B64}"/>
+          </ac:cxnSpMkLst>
+        </pc:cxnChg>
+        <pc:cxnChg chg="add mod">
+          <ac:chgData name="Vincent King" userId="f96d9c2d90ad25d7" providerId="LiveId" clId="{1FDC8049-11C0-46B6-8297-25BF78D2D060}" dt="2023-11-25T17:48:02.231" v="250"/>
+          <ac:cxnSpMkLst>
+            <pc:docMk/>
+            <pc:sldMk cId="980752254" sldId="396"/>
+            <ac:cxnSpMk id="17" creationId="{D002EA81-A728-B76B-0359-B7196308BBA9}"/>
+          </ac:cxnSpMkLst>
+        </pc:cxnChg>
+        <pc:cxnChg chg="add mod">
+          <ac:chgData name="Vincent King" userId="f96d9c2d90ad25d7" providerId="LiveId" clId="{1FDC8049-11C0-46B6-8297-25BF78D2D060}" dt="2023-11-25T17:48:02.231" v="250"/>
+          <ac:cxnSpMkLst>
+            <pc:docMk/>
+            <pc:sldMk cId="980752254" sldId="396"/>
+            <ac:cxnSpMk id="22" creationId="{38BB5E53-F8DC-E988-F6D7-0294EBF0A8A5}"/>
+          </ac:cxnSpMkLst>
+        </pc:cxnChg>
+        <pc:cxnChg chg="add mod">
+          <ac:chgData name="Vincent King" userId="f96d9c2d90ad25d7" providerId="LiveId" clId="{1FDC8049-11C0-46B6-8297-25BF78D2D060}" dt="2023-11-25T17:48:02.231" v="250"/>
+          <ac:cxnSpMkLst>
+            <pc:docMk/>
+            <pc:sldMk cId="980752254" sldId="396"/>
+            <ac:cxnSpMk id="25" creationId="{6C5AF5AC-CEE0-CAA7-2302-1B004C49542D}"/>
+          </ac:cxnSpMkLst>
+        </pc:cxnChg>
       </pc:sldChg>
       <pc:sldChg chg="modSp add mod">
         <pc:chgData name="Vincent King" userId="f96d9c2d90ad25d7" providerId="LiveId" clId="{1FDC8049-11C0-46B6-8297-25BF78D2D060}" dt="2023-11-25T16:24:18.023" v="94"/>
@@ -10155,56 +10387,6 @@
       </p:sp>
       <p:sp>
         <p:nvSpPr>
-          <p:cNvPr id="7" name="Text Placeholder 6">
-            <a:extLst>
-              <a:ext uri="{FF2B5EF4-FFF2-40B4-BE49-F238E27FC236}">
-                <a16:creationId xmlns:a16="http://schemas.microsoft.com/office/drawing/2014/main" id="{7E188A03-E591-BCF1-0220-C89A474278D3}"/>
-              </a:ext>
-            </a:extLst>
-          </p:cNvPr>
-          <p:cNvSpPr>
-            <a:spLocks noGrp="1"/>
-          </p:cNvSpPr>
-          <p:nvPr>
-            <p:ph type="body" sz="quarter" idx="13"/>
-          </p:nvPr>
-        </p:nvSpPr>
-        <p:spPr/>
-        <p:txBody>
-          <a:bodyPr/>
-          <a:lstStyle/>
-          <a:p>
-            <a:endParaRPr lang="en-GB"/>
-          </a:p>
-        </p:txBody>
-      </p:sp>
-      <p:sp>
-        <p:nvSpPr>
-          <p:cNvPr id="8" name="Picture Placeholder 7">
-            <a:extLst>
-              <a:ext uri="{FF2B5EF4-FFF2-40B4-BE49-F238E27FC236}">
-                <a16:creationId xmlns:a16="http://schemas.microsoft.com/office/drawing/2014/main" id="{3ABCC226-C790-B149-8866-1DE93FD1AF1E}"/>
-              </a:ext>
-            </a:extLst>
-          </p:cNvPr>
-          <p:cNvSpPr>
-            <a:spLocks noGrp="1"/>
-          </p:cNvSpPr>
-          <p:nvPr>
-            <p:ph type="pic" sz="quarter" idx="14"/>
-          </p:nvPr>
-        </p:nvSpPr>
-        <p:spPr/>
-        <p:txBody>
-          <a:bodyPr/>
-          <a:lstStyle/>
-          <a:p>
-            <a:endParaRPr lang="en-GB"/>
-          </a:p>
-        </p:txBody>
-      </p:sp>
-      <p:sp>
-        <p:nvSpPr>
           <p:cNvPr id="6" name="Title 5">
             <a:extLst>
               <a:ext uri="{FF2B5EF4-FFF2-40B4-BE49-F238E27FC236}">
@@ -10224,7 +10406,1486 @@
           <a:bodyPr/>
           <a:lstStyle/>
           <a:p>
-            <a:endParaRPr lang="en-GB"/>
+            <a:r>
+              <a:rPr lang="en-GB" dirty="0"/>
+              <a:t>Existing Leadership Structure</a:t>
+            </a:r>
+          </a:p>
+        </p:txBody>
+      </p:sp>
+      <p:sp>
+        <p:nvSpPr>
+          <p:cNvPr id="3" name="Rectangle 2">
+            <a:extLst>
+              <a:ext uri="{FF2B5EF4-FFF2-40B4-BE49-F238E27FC236}">
+                <a16:creationId xmlns:a16="http://schemas.microsoft.com/office/drawing/2014/main" id="{4F7E69E1-D11A-D7F3-9E60-8CEC4540DCF5}"/>
+              </a:ext>
+            </a:extLst>
+          </p:cNvPr>
+          <p:cNvSpPr/>
+          <p:nvPr/>
+        </p:nvSpPr>
+        <p:spPr>
+          <a:xfrm>
+            <a:off x="4547937" y="1370014"/>
+            <a:ext cx="2370221" cy="952081"/>
+          </a:xfrm>
+          <a:prstGeom prst="rect">
+            <a:avLst/>
+          </a:prstGeom>
+          <a:solidFill>
+            <a:srgbClr val="B1358D"/>
+          </a:solidFill>
+          <a:ln>
+            <a:noFill/>
+          </a:ln>
+        </p:spPr>
+        <p:style>
+          <a:lnRef idx="2">
+            <a:schemeClr val="accent1">
+              <a:shade val="50000"/>
+            </a:schemeClr>
+          </a:lnRef>
+          <a:fillRef idx="1">
+            <a:schemeClr val="accent1"/>
+          </a:fillRef>
+          <a:effectRef idx="0">
+            <a:schemeClr val="accent1"/>
+          </a:effectRef>
+          <a:fontRef idx="minor">
+            <a:schemeClr val="lt1"/>
+          </a:fontRef>
+        </p:style>
+        <p:txBody>
+          <a:bodyPr rtlCol="0" anchor="ctr"/>
+          <a:lstStyle/>
+          <a:p>
+            <a:pPr algn="ctr"/>
+            <a:r>
+              <a:rPr lang="en-GB" sz="1600" dirty="0"/>
+              <a:t>CISO </a:t>
+            </a:r>
+          </a:p>
+          <a:p>
+            <a:pPr algn="ctr"/>
+            <a:r>
+              <a:rPr lang="en-GB" sz="1600" b="1" dirty="0"/>
+              <a:t>Head of Cyber Security</a:t>
+            </a:r>
+          </a:p>
+        </p:txBody>
+      </p:sp>
+      <p:sp>
+        <p:nvSpPr>
+          <p:cNvPr id="4" name="Rectangle 3">
+            <a:extLst>
+              <a:ext uri="{FF2B5EF4-FFF2-40B4-BE49-F238E27FC236}">
+                <a16:creationId xmlns:a16="http://schemas.microsoft.com/office/drawing/2014/main" id="{41EC842B-7038-5CD3-1662-EA900814C78B}"/>
+              </a:ext>
+            </a:extLst>
+          </p:cNvPr>
+          <p:cNvSpPr/>
+          <p:nvPr/>
+        </p:nvSpPr>
+        <p:spPr>
+          <a:xfrm>
+            <a:off x="2033262" y="2549109"/>
+            <a:ext cx="2514675" cy="500784"/>
+          </a:xfrm>
+          <a:prstGeom prst="rect">
+            <a:avLst/>
+          </a:prstGeom>
+          <a:solidFill>
+            <a:srgbClr val="B1358D"/>
+          </a:solidFill>
+          <a:ln>
+            <a:noFill/>
+          </a:ln>
+        </p:spPr>
+        <p:style>
+          <a:lnRef idx="2">
+            <a:schemeClr val="accent1">
+              <a:shade val="50000"/>
+            </a:schemeClr>
+          </a:lnRef>
+          <a:fillRef idx="1">
+            <a:schemeClr val="accent1"/>
+          </a:fillRef>
+          <a:effectRef idx="0">
+            <a:schemeClr val="accent1"/>
+          </a:effectRef>
+          <a:fontRef idx="minor">
+            <a:schemeClr val="lt1"/>
+          </a:fontRef>
+        </p:style>
+        <p:txBody>
+          <a:bodyPr rtlCol="0" anchor="ctr"/>
+          <a:lstStyle/>
+          <a:p>
+            <a:pPr algn="ctr"/>
+            <a:r>
+              <a:rPr lang="en-GB" sz="1400" b="1" dirty="0"/>
+              <a:t>Personal Assistant</a:t>
+            </a:r>
+          </a:p>
+        </p:txBody>
+      </p:sp>
+      <p:cxnSp>
+        <p:nvCxnSpPr>
+          <p:cNvPr id="5" name="Straight Connector 4">
+            <a:extLst>
+              <a:ext uri="{FF2B5EF4-FFF2-40B4-BE49-F238E27FC236}">
+                <a16:creationId xmlns:a16="http://schemas.microsoft.com/office/drawing/2014/main" id="{2A4C0969-306B-07FA-CDDB-337075707AEC}"/>
+              </a:ext>
+            </a:extLst>
+          </p:cNvPr>
+          <p:cNvCxnSpPr/>
+          <p:nvPr/>
+        </p:nvCxnSpPr>
+        <p:spPr>
+          <a:xfrm flipH="1">
+            <a:off x="5733047" y="2309360"/>
+            <a:ext cx="2" cy="989207"/>
+          </a:xfrm>
+          <a:prstGeom prst="line">
+            <a:avLst/>
+          </a:prstGeom>
+        </p:spPr>
+        <p:style>
+          <a:lnRef idx="1">
+            <a:schemeClr val="accent1"/>
+          </a:lnRef>
+          <a:fillRef idx="0">
+            <a:schemeClr val="accent1"/>
+          </a:fillRef>
+          <a:effectRef idx="0">
+            <a:schemeClr val="accent1"/>
+          </a:effectRef>
+          <a:fontRef idx="minor">
+            <a:schemeClr val="tx1"/>
+          </a:fontRef>
+        </p:style>
+      </p:cxnSp>
+      <p:cxnSp>
+        <p:nvCxnSpPr>
+          <p:cNvPr id="9" name="Straight Connector 8">
+            <a:extLst>
+              <a:ext uri="{FF2B5EF4-FFF2-40B4-BE49-F238E27FC236}">
+                <a16:creationId xmlns:a16="http://schemas.microsoft.com/office/drawing/2014/main" id="{57FE4A5A-8C82-AE42-FA30-CFA22C06D55A}"/>
+              </a:ext>
+            </a:extLst>
+          </p:cNvPr>
+          <p:cNvCxnSpPr>
+            <a:stCxn id="4" idx="3"/>
+          </p:cNvCxnSpPr>
+          <p:nvPr/>
+        </p:nvCxnSpPr>
+        <p:spPr>
+          <a:xfrm>
+            <a:off x="4547937" y="2799501"/>
+            <a:ext cx="1185110" cy="0"/>
+          </a:xfrm>
+          <a:prstGeom prst="line">
+            <a:avLst/>
+          </a:prstGeom>
+        </p:spPr>
+        <p:style>
+          <a:lnRef idx="1">
+            <a:schemeClr val="accent1"/>
+          </a:lnRef>
+          <a:fillRef idx="0">
+            <a:schemeClr val="accent1"/>
+          </a:fillRef>
+          <a:effectRef idx="0">
+            <a:schemeClr val="accent1"/>
+          </a:effectRef>
+          <a:fontRef idx="minor">
+            <a:schemeClr val="tx1"/>
+          </a:fontRef>
+        </p:style>
+      </p:cxnSp>
+      <p:cxnSp>
+        <p:nvCxnSpPr>
+          <p:cNvPr id="10" name="Straight Connector 9">
+            <a:extLst>
+              <a:ext uri="{FF2B5EF4-FFF2-40B4-BE49-F238E27FC236}">
+                <a16:creationId xmlns:a16="http://schemas.microsoft.com/office/drawing/2014/main" id="{EC95811F-1080-EF8E-1986-3E4C58F76352}"/>
+              </a:ext>
+            </a:extLst>
+          </p:cNvPr>
+          <p:cNvCxnSpPr>
+            <a:cxnSpLocks/>
+          </p:cNvCxnSpPr>
+          <p:nvPr/>
+        </p:nvCxnSpPr>
+        <p:spPr>
+          <a:xfrm>
+            <a:off x="1005115" y="3276856"/>
+            <a:ext cx="10374170" cy="0"/>
+          </a:xfrm>
+          <a:prstGeom prst="line">
+            <a:avLst/>
+          </a:prstGeom>
+        </p:spPr>
+        <p:style>
+          <a:lnRef idx="1">
+            <a:schemeClr val="accent1"/>
+          </a:lnRef>
+          <a:fillRef idx="0">
+            <a:schemeClr val="accent1"/>
+          </a:fillRef>
+          <a:effectRef idx="0">
+            <a:schemeClr val="accent1"/>
+          </a:effectRef>
+          <a:fontRef idx="minor">
+            <a:schemeClr val="tx1"/>
+          </a:fontRef>
+        </p:style>
+      </p:cxnSp>
+      <p:cxnSp>
+        <p:nvCxnSpPr>
+          <p:cNvPr id="11" name="Straight Connector 10">
+            <a:extLst>
+              <a:ext uri="{FF2B5EF4-FFF2-40B4-BE49-F238E27FC236}">
+                <a16:creationId xmlns:a16="http://schemas.microsoft.com/office/drawing/2014/main" id="{368E766F-5391-9FE6-9673-2E6D5E4BBC83}"/>
+              </a:ext>
+            </a:extLst>
+          </p:cNvPr>
+          <p:cNvCxnSpPr/>
+          <p:nvPr/>
+        </p:nvCxnSpPr>
+        <p:spPr>
+          <a:xfrm flipH="1">
+            <a:off x="1005115" y="3276856"/>
+            <a:ext cx="0" cy="592603"/>
+          </a:xfrm>
+          <a:prstGeom prst="line">
+            <a:avLst/>
+          </a:prstGeom>
+        </p:spPr>
+        <p:style>
+          <a:lnRef idx="1">
+            <a:schemeClr val="accent1"/>
+          </a:lnRef>
+          <a:fillRef idx="0">
+            <a:schemeClr val="accent1"/>
+          </a:fillRef>
+          <a:effectRef idx="0">
+            <a:schemeClr val="accent1"/>
+          </a:effectRef>
+          <a:fontRef idx="minor">
+            <a:schemeClr val="tx1"/>
+          </a:fontRef>
+        </p:style>
+      </p:cxnSp>
+      <p:cxnSp>
+        <p:nvCxnSpPr>
+          <p:cNvPr id="12" name="Straight Connector 11">
+            <a:extLst>
+              <a:ext uri="{FF2B5EF4-FFF2-40B4-BE49-F238E27FC236}">
+                <a16:creationId xmlns:a16="http://schemas.microsoft.com/office/drawing/2014/main" id="{990F910C-F24E-7494-95F7-0C093B8D1110}"/>
+              </a:ext>
+            </a:extLst>
+          </p:cNvPr>
+          <p:cNvCxnSpPr/>
+          <p:nvPr/>
+        </p:nvCxnSpPr>
+        <p:spPr>
+          <a:xfrm flipH="1">
+            <a:off x="2241679" y="3276856"/>
+            <a:ext cx="4" cy="592552"/>
+          </a:xfrm>
+          <a:prstGeom prst="line">
+            <a:avLst/>
+          </a:prstGeom>
+        </p:spPr>
+        <p:style>
+          <a:lnRef idx="1">
+            <a:schemeClr val="accent1"/>
+          </a:lnRef>
+          <a:fillRef idx="0">
+            <a:schemeClr val="accent1"/>
+          </a:fillRef>
+          <a:effectRef idx="0">
+            <a:schemeClr val="accent1"/>
+          </a:effectRef>
+          <a:fontRef idx="minor">
+            <a:schemeClr val="tx1"/>
+          </a:fontRef>
+        </p:style>
+      </p:cxnSp>
+      <p:cxnSp>
+        <p:nvCxnSpPr>
+          <p:cNvPr id="13" name="Straight Connector 12">
+            <a:extLst>
+              <a:ext uri="{FF2B5EF4-FFF2-40B4-BE49-F238E27FC236}">
+                <a16:creationId xmlns:a16="http://schemas.microsoft.com/office/drawing/2014/main" id="{C192DAE4-E5C9-6153-C736-1B1BDCC06450}"/>
+              </a:ext>
+            </a:extLst>
+          </p:cNvPr>
+          <p:cNvCxnSpPr/>
+          <p:nvPr/>
+        </p:nvCxnSpPr>
+        <p:spPr>
+          <a:xfrm flipH="1">
+            <a:off x="3929433" y="3276856"/>
+            <a:ext cx="4" cy="592552"/>
+          </a:xfrm>
+          <a:prstGeom prst="line">
+            <a:avLst/>
+          </a:prstGeom>
+        </p:spPr>
+        <p:style>
+          <a:lnRef idx="1">
+            <a:schemeClr val="accent1"/>
+          </a:lnRef>
+          <a:fillRef idx="0">
+            <a:schemeClr val="accent1"/>
+          </a:fillRef>
+          <a:effectRef idx="0">
+            <a:schemeClr val="accent1"/>
+          </a:effectRef>
+          <a:fontRef idx="minor">
+            <a:schemeClr val="tx1"/>
+          </a:fontRef>
+        </p:style>
+      </p:cxnSp>
+      <p:cxnSp>
+        <p:nvCxnSpPr>
+          <p:cNvPr id="14" name="Straight Connector 13">
+            <a:extLst>
+              <a:ext uri="{FF2B5EF4-FFF2-40B4-BE49-F238E27FC236}">
+                <a16:creationId xmlns:a16="http://schemas.microsoft.com/office/drawing/2014/main" id="{4495A1E2-9800-2ACE-F2E2-CBF47525CB81}"/>
+              </a:ext>
+            </a:extLst>
+          </p:cNvPr>
+          <p:cNvCxnSpPr/>
+          <p:nvPr/>
+        </p:nvCxnSpPr>
+        <p:spPr>
+          <a:xfrm flipH="1">
+            <a:off x="8391377" y="3276856"/>
+            <a:ext cx="4" cy="592552"/>
+          </a:xfrm>
+          <a:prstGeom prst="line">
+            <a:avLst/>
+          </a:prstGeom>
+          <a:ln>
+            <a:prstDash val="solid"/>
+          </a:ln>
+        </p:spPr>
+        <p:style>
+          <a:lnRef idx="1">
+            <a:schemeClr val="accent1"/>
+          </a:lnRef>
+          <a:fillRef idx="0">
+            <a:schemeClr val="accent1"/>
+          </a:fillRef>
+          <a:effectRef idx="0">
+            <a:schemeClr val="accent1"/>
+          </a:effectRef>
+          <a:fontRef idx="minor">
+            <a:schemeClr val="tx1"/>
+          </a:fontRef>
+        </p:style>
+      </p:cxnSp>
+      <p:cxnSp>
+        <p:nvCxnSpPr>
+          <p:cNvPr id="15" name="Straight Connector 14">
+            <a:extLst>
+              <a:ext uri="{FF2B5EF4-FFF2-40B4-BE49-F238E27FC236}">
+                <a16:creationId xmlns:a16="http://schemas.microsoft.com/office/drawing/2014/main" id="{89637973-AB64-5C80-3CE5-2CF6C1DC8B64}"/>
+              </a:ext>
+            </a:extLst>
+          </p:cNvPr>
+          <p:cNvCxnSpPr/>
+          <p:nvPr/>
+        </p:nvCxnSpPr>
+        <p:spPr>
+          <a:xfrm flipH="1">
+            <a:off x="5411735" y="3276856"/>
+            <a:ext cx="4" cy="592552"/>
+          </a:xfrm>
+          <a:prstGeom prst="line">
+            <a:avLst/>
+          </a:prstGeom>
+          <a:ln>
+            <a:prstDash val="solid"/>
+          </a:ln>
+        </p:spPr>
+        <p:style>
+          <a:lnRef idx="1">
+            <a:schemeClr val="accent1"/>
+          </a:lnRef>
+          <a:fillRef idx="0">
+            <a:schemeClr val="accent1"/>
+          </a:fillRef>
+          <a:effectRef idx="0">
+            <a:schemeClr val="accent1"/>
+          </a:effectRef>
+          <a:fontRef idx="minor">
+            <a:schemeClr val="tx1"/>
+          </a:fontRef>
+        </p:style>
+      </p:cxnSp>
+      <p:sp>
+        <p:nvSpPr>
+          <p:cNvPr id="16" name="Rectangle 15">
+            <a:extLst>
+              <a:ext uri="{FF2B5EF4-FFF2-40B4-BE49-F238E27FC236}">
+                <a16:creationId xmlns:a16="http://schemas.microsoft.com/office/drawing/2014/main" id="{5CE12690-71B2-1F51-C537-4E6328CBD08E}"/>
+              </a:ext>
+            </a:extLst>
+          </p:cNvPr>
+          <p:cNvSpPr/>
+          <p:nvPr/>
+        </p:nvSpPr>
+        <p:spPr>
+          <a:xfrm>
+            <a:off x="233643" y="3734362"/>
+            <a:ext cx="1424415" cy="952081"/>
+          </a:xfrm>
+          <a:prstGeom prst="rect">
+            <a:avLst/>
+          </a:prstGeom>
+          <a:solidFill>
+            <a:srgbClr val="B1358D"/>
+          </a:solidFill>
+          <a:ln>
+            <a:noFill/>
+          </a:ln>
+        </p:spPr>
+        <p:style>
+          <a:lnRef idx="2">
+            <a:schemeClr val="accent1">
+              <a:shade val="50000"/>
+            </a:schemeClr>
+          </a:lnRef>
+          <a:fillRef idx="1">
+            <a:schemeClr val="accent1"/>
+          </a:fillRef>
+          <a:effectRef idx="0">
+            <a:schemeClr val="accent1"/>
+          </a:effectRef>
+          <a:fontRef idx="minor">
+            <a:schemeClr val="lt1"/>
+          </a:fontRef>
+        </p:style>
+        <p:txBody>
+          <a:bodyPr rtlCol="0" anchor="ctr"/>
+          <a:lstStyle/>
+          <a:p>
+            <a:pPr algn="ctr"/>
+            <a:r>
+              <a:rPr lang="en-GB" sz="1200" b="1" dirty="0"/>
+              <a:t>Cyber Security Identity &amp; Access Governance</a:t>
+            </a:r>
+          </a:p>
+        </p:txBody>
+      </p:sp>
+      <p:cxnSp>
+        <p:nvCxnSpPr>
+          <p:cNvPr id="17" name="Straight Connector 16">
+            <a:extLst>
+              <a:ext uri="{FF2B5EF4-FFF2-40B4-BE49-F238E27FC236}">
+                <a16:creationId xmlns:a16="http://schemas.microsoft.com/office/drawing/2014/main" id="{D002EA81-A728-B76B-0359-B7196308BBA9}"/>
+              </a:ext>
+            </a:extLst>
+          </p:cNvPr>
+          <p:cNvCxnSpPr/>
+          <p:nvPr/>
+        </p:nvCxnSpPr>
+        <p:spPr>
+          <a:xfrm flipH="1">
+            <a:off x="11379285" y="3276856"/>
+            <a:ext cx="4" cy="592552"/>
+          </a:xfrm>
+          <a:prstGeom prst="line">
+            <a:avLst/>
+          </a:prstGeom>
+          <a:ln>
+            <a:prstDash val="solid"/>
+          </a:ln>
+        </p:spPr>
+        <p:style>
+          <a:lnRef idx="1">
+            <a:schemeClr val="accent1"/>
+          </a:lnRef>
+          <a:fillRef idx="0">
+            <a:schemeClr val="accent1"/>
+          </a:fillRef>
+          <a:effectRef idx="0">
+            <a:schemeClr val="accent1"/>
+          </a:effectRef>
+          <a:fontRef idx="minor">
+            <a:schemeClr val="tx1"/>
+          </a:fontRef>
+        </p:style>
+      </p:cxnSp>
+      <p:sp>
+        <p:nvSpPr>
+          <p:cNvPr id="18" name="Rectangle 17">
+            <a:extLst>
+              <a:ext uri="{FF2B5EF4-FFF2-40B4-BE49-F238E27FC236}">
+                <a16:creationId xmlns:a16="http://schemas.microsoft.com/office/drawing/2014/main" id="{11881CE4-4F6F-BAA4-038E-450C1D82647E}"/>
+              </a:ext>
+            </a:extLst>
+          </p:cNvPr>
+          <p:cNvSpPr/>
+          <p:nvPr/>
+        </p:nvSpPr>
+        <p:spPr>
+          <a:xfrm>
+            <a:off x="1751982" y="3734362"/>
+            <a:ext cx="1424415" cy="952081"/>
+          </a:xfrm>
+          <a:prstGeom prst="rect">
+            <a:avLst/>
+          </a:prstGeom>
+          <a:solidFill>
+            <a:srgbClr val="B1358D"/>
+          </a:solidFill>
+          <a:ln>
+            <a:noFill/>
+          </a:ln>
+        </p:spPr>
+        <p:style>
+          <a:lnRef idx="2">
+            <a:schemeClr val="accent1">
+              <a:shade val="50000"/>
+            </a:schemeClr>
+          </a:lnRef>
+          <a:fillRef idx="1">
+            <a:schemeClr val="accent1"/>
+          </a:fillRef>
+          <a:effectRef idx="0">
+            <a:schemeClr val="accent1"/>
+          </a:effectRef>
+          <a:fontRef idx="minor">
+            <a:schemeClr val="lt1"/>
+          </a:fontRef>
+        </p:style>
+        <p:txBody>
+          <a:bodyPr rtlCol="0" anchor="ctr"/>
+          <a:lstStyle/>
+          <a:p>
+            <a:pPr algn="ctr"/>
+            <a:r>
+              <a:rPr lang="en-GB" sz="1200" b="1" dirty="0"/>
+              <a:t>Cyber Defence Centre</a:t>
+            </a:r>
+          </a:p>
+        </p:txBody>
+      </p:sp>
+      <p:sp>
+        <p:nvSpPr>
+          <p:cNvPr id="19" name="Rectangle 18">
+            <a:extLst>
+              <a:ext uri="{FF2B5EF4-FFF2-40B4-BE49-F238E27FC236}">
+                <a16:creationId xmlns:a16="http://schemas.microsoft.com/office/drawing/2014/main" id="{1027D65B-F92C-ED1B-2F85-AC181FAA71F9}"/>
+              </a:ext>
+            </a:extLst>
+          </p:cNvPr>
+          <p:cNvSpPr/>
+          <p:nvPr/>
+        </p:nvSpPr>
+        <p:spPr>
+          <a:xfrm>
+            <a:off x="3246114" y="3734362"/>
+            <a:ext cx="1424415" cy="952081"/>
+          </a:xfrm>
+          <a:prstGeom prst="rect">
+            <a:avLst/>
+          </a:prstGeom>
+          <a:solidFill>
+            <a:srgbClr val="B1358D"/>
+          </a:solidFill>
+          <a:ln>
+            <a:noFill/>
+          </a:ln>
+        </p:spPr>
+        <p:style>
+          <a:lnRef idx="2">
+            <a:schemeClr val="accent1">
+              <a:shade val="50000"/>
+            </a:schemeClr>
+          </a:lnRef>
+          <a:fillRef idx="1">
+            <a:schemeClr val="accent1"/>
+          </a:fillRef>
+          <a:effectRef idx="0">
+            <a:schemeClr val="accent1"/>
+          </a:effectRef>
+          <a:fontRef idx="minor">
+            <a:schemeClr val="lt1"/>
+          </a:fontRef>
+        </p:style>
+        <p:txBody>
+          <a:bodyPr rtlCol="0" anchor="ctr"/>
+          <a:lstStyle/>
+          <a:p>
+            <a:pPr algn="ctr"/>
+            <a:r>
+              <a:rPr lang="en-GB" sz="1200" b="1" dirty="0"/>
+              <a:t>Cyber Security Operations</a:t>
+            </a:r>
+          </a:p>
+        </p:txBody>
+      </p:sp>
+      <p:sp>
+        <p:nvSpPr>
+          <p:cNvPr id="20" name="Rectangle 19">
+            <a:extLst>
+              <a:ext uri="{FF2B5EF4-FFF2-40B4-BE49-F238E27FC236}">
+                <a16:creationId xmlns:a16="http://schemas.microsoft.com/office/drawing/2014/main" id="{5C552DF3-0C9E-A404-752A-D35F68C0D741}"/>
+              </a:ext>
+            </a:extLst>
+          </p:cNvPr>
+          <p:cNvSpPr/>
+          <p:nvPr/>
+        </p:nvSpPr>
+        <p:spPr>
+          <a:xfrm>
+            <a:off x="4762753" y="3734362"/>
+            <a:ext cx="1424415" cy="952081"/>
+          </a:xfrm>
+          <a:prstGeom prst="rect">
+            <a:avLst/>
+          </a:prstGeom>
+          <a:solidFill>
+            <a:srgbClr val="B1358D"/>
+          </a:solidFill>
+          <a:ln>
+            <a:noFill/>
+          </a:ln>
+        </p:spPr>
+        <p:style>
+          <a:lnRef idx="2">
+            <a:schemeClr val="accent1">
+              <a:shade val="50000"/>
+            </a:schemeClr>
+          </a:lnRef>
+          <a:fillRef idx="1">
+            <a:schemeClr val="accent1"/>
+          </a:fillRef>
+          <a:effectRef idx="0">
+            <a:schemeClr val="accent1"/>
+          </a:effectRef>
+          <a:fontRef idx="minor">
+            <a:schemeClr val="lt1"/>
+          </a:fontRef>
+        </p:style>
+        <p:txBody>
+          <a:bodyPr rtlCol="0" anchor="ctr"/>
+          <a:lstStyle/>
+          <a:p>
+            <a:pPr algn="ctr"/>
+            <a:r>
+              <a:rPr lang="en-GB" sz="1200" b="1" dirty="0"/>
+              <a:t>Cyber Security Vulnerability Analysis &amp; Education</a:t>
+            </a:r>
+          </a:p>
+        </p:txBody>
+      </p:sp>
+      <p:sp>
+        <p:nvSpPr>
+          <p:cNvPr id="21" name="Rectangle 20">
+            <a:extLst>
+              <a:ext uri="{FF2B5EF4-FFF2-40B4-BE49-F238E27FC236}">
+                <a16:creationId xmlns:a16="http://schemas.microsoft.com/office/drawing/2014/main" id="{C129BEF0-1EFA-21F7-1137-38021B70C4BD}"/>
+              </a:ext>
+            </a:extLst>
+          </p:cNvPr>
+          <p:cNvSpPr/>
+          <p:nvPr/>
+        </p:nvSpPr>
+        <p:spPr>
+          <a:xfrm>
+            <a:off x="6272032" y="3734363"/>
+            <a:ext cx="1424415" cy="952081"/>
+          </a:xfrm>
+          <a:prstGeom prst="rect">
+            <a:avLst/>
+          </a:prstGeom>
+          <a:solidFill>
+            <a:srgbClr val="B1358D"/>
+          </a:solidFill>
+          <a:ln>
+            <a:noFill/>
+          </a:ln>
+        </p:spPr>
+        <p:style>
+          <a:lnRef idx="2">
+            <a:schemeClr val="accent1">
+              <a:shade val="50000"/>
+            </a:schemeClr>
+          </a:lnRef>
+          <a:fillRef idx="1">
+            <a:schemeClr val="accent1"/>
+          </a:fillRef>
+          <a:effectRef idx="0">
+            <a:schemeClr val="accent1"/>
+          </a:effectRef>
+          <a:fontRef idx="minor">
+            <a:schemeClr val="lt1"/>
+          </a:fontRef>
+        </p:style>
+        <p:txBody>
+          <a:bodyPr rtlCol="0" anchor="ctr"/>
+          <a:lstStyle/>
+          <a:p>
+            <a:pPr algn="ctr"/>
+            <a:r>
+              <a:rPr lang="en-GB" sz="1200" b="1" dirty="0"/>
+              <a:t>Cyber Security Architecture</a:t>
+            </a:r>
+          </a:p>
+        </p:txBody>
+      </p:sp>
+      <p:cxnSp>
+        <p:nvCxnSpPr>
+          <p:cNvPr id="22" name="Straight Connector 21">
+            <a:extLst>
+              <a:ext uri="{FF2B5EF4-FFF2-40B4-BE49-F238E27FC236}">
+                <a16:creationId xmlns:a16="http://schemas.microsoft.com/office/drawing/2014/main" id="{38BB5E53-F8DC-E988-F6D7-0294EBF0A8A5}"/>
+              </a:ext>
+            </a:extLst>
+          </p:cNvPr>
+          <p:cNvCxnSpPr/>
+          <p:nvPr/>
+        </p:nvCxnSpPr>
+        <p:spPr>
+          <a:xfrm flipH="1">
+            <a:off x="6926253" y="3276856"/>
+            <a:ext cx="4" cy="592552"/>
+          </a:xfrm>
+          <a:prstGeom prst="line">
+            <a:avLst/>
+          </a:prstGeom>
+          <a:ln>
+            <a:prstDash val="solid"/>
+          </a:ln>
+        </p:spPr>
+        <p:style>
+          <a:lnRef idx="1">
+            <a:schemeClr val="accent1"/>
+          </a:lnRef>
+          <a:fillRef idx="0">
+            <a:schemeClr val="accent1"/>
+          </a:fillRef>
+          <a:effectRef idx="0">
+            <a:schemeClr val="accent1"/>
+          </a:effectRef>
+          <a:fontRef idx="minor">
+            <a:schemeClr val="tx1"/>
+          </a:fontRef>
+        </p:style>
+      </p:cxnSp>
+      <p:sp>
+        <p:nvSpPr>
+          <p:cNvPr id="23" name="Rectangle 22">
+            <a:extLst>
+              <a:ext uri="{FF2B5EF4-FFF2-40B4-BE49-F238E27FC236}">
+                <a16:creationId xmlns:a16="http://schemas.microsoft.com/office/drawing/2014/main" id="{7AB7FEC3-2AB0-6523-7FD1-3F2BE3793947}"/>
+              </a:ext>
+            </a:extLst>
+          </p:cNvPr>
+          <p:cNvSpPr/>
+          <p:nvPr/>
+        </p:nvSpPr>
+        <p:spPr>
+          <a:xfrm>
+            <a:off x="7749291" y="3734363"/>
+            <a:ext cx="1424415" cy="952081"/>
+          </a:xfrm>
+          <a:prstGeom prst="rect">
+            <a:avLst/>
+          </a:prstGeom>
+          <a:solidFill>
+            <a:srgbClr val="B1358D"/>
+          </a:solidFill>
+          <a:ln>
+            <a:noFill/>
+          </a:ln>
+        </p:spPr>
+        <p:style>
+          <a:lnRef idx="2">
+            <a:schemeClr val="accent1">
+              <a:shade val="50000"/>
+            </a:schemeClr>
+          </a:lnRef>
+          <a:fillRef idx="1">
+            <a:schemeClr val="accent1"/>
+          </a:fillRef>
+          <a:effectRef idx="0">
+            <a:schemeClr val="accent1"/>
+          </a:effectRef>
+          <a:fontRef idx="minor">
+            <a:schemeClr val="lt1"/>
+          </a:fontRef>
+        </p:style>
+        <p:txBody>
+          <a:bodyPr rtlCol="0" anchor="ctr"/>
+          <a:lstStyle/>
+          <a:p>
+            <a:pPr algn="ctr"/>
+            <a:r>
+              <a:rPr lang="en-GB" sz="1200" b="1" dirty="0"/>
+              <a:t>Cyber Security Enablement</a:t>
+            </a:r>
+          </a:p>
+        </p:txBody>
+      </p:sp>
+      <p:sp>
+        <p:nvSpPr>
+          <p:cNvPr id="24" name="Rectangle 23">
+            <a:extLst>
+              <a:ext uri="{FF2B5EF4-FFF2-40B4-BE49-F238E27FC236}">
+                <a16:creationId xmlns:a16="http://schemas.microsoft.com/office/drawing/2014/main" id="{C8AFADA5-B249-FB0F-C834-85D3DBB3FFBE}"/>
+              </a:ext>
+            </a:extLst>
+          </p:cNvPr>
+          <p:cNvSpPr/>
+          <p:nvPr/>
+        </p:nvSpPr>
+        <p:spPr>
+          <a:xfrm>
+            <a:off x="10631869" y="3735913"/>
+            <a:ext cx="1424415" cy="952081"/>
+          </a:xfrm>
+          <a:prstGeom prst="rect">
+            <a:avLst/>
+          </a:prstGeom>
+          <a:solidFill>
+            <a:srgbClr val="B1358D"/>
+          </a:solidFill>
+          <a:ln>
+            <a:noFill/>
+          </a:ln>
+        </p:spPr>
+        <p:style>
+          <a:lnRef idx="2">
+            <a:schemeClr val="accent1">
+              <a:shade val="50000"/>
+            </a:schemeClr>
+          </a:lnRef>
+          <a:fillRef idx="1">
+            <a:schemeClr val="accent1"/>
+          </a:fillRef>
+          <a:effectRef idx="0">
+            <a:schemeClr val="accent1"/>
+          </a:effectRef>
+          <a:fontRef idx="minor">
+            <a:schemeClr val="lt1"/>
+          </a:fontRef>
+        </p:style>
+        <p:txBody>
+          <a:bodyPr rtlCol="0" anchor="ctr"/>
+          <a:lstStyle/>
+          <a:p>
+            <a:pPr algn="ctr"/>
+            <a:r>
+              <a:rPr lang="en-GB" sz="1200" b="1" dirty="0"/>
+              <a:t>Cyber Accreditation</a:t>
+            </a:r>
+          </a:p>
+        </p:txBody>
+      </p:sp>
+      <p:cxnSp>
+        <p:nvCxnSpPr>
+          <p:cNvPr id="25" name="Straight Connector 24">
+            <a:extLst>
+              <a:ext uri="{FF2B5EF4-FFF2-40B4-BE49-F238E27FC236}">
+                <a16:creationId xmlns:a16="http://schemas.microsoft.com/office/drawing/2014/main" id="{6C5AF5AC-CEE0-CAA7-2302-1B004C49542D}"/>
+              </a:ext>
+            </a:extLst>
+          </p:cNvPr>
+          <p:cNvCxnSpPr/>
+          <p:nvPr/>
+        </p:nvCxnSpPr>
+        <p:spPr>
+          <a:xfrm flipH="1">
+            <a:off x="9839791" y="3276855"/>
+            <a:ext cx="4" cy="592552"/>
+          </a:xfrm>
+          <a:prstGeom prst="line">
+            <a:avLst/>
+          </a:prstGeom>
+          <a:ln>
+            <a:prstDash val="solid"/>
+          </a:ln>
+        </p:spPr>
+        <p:style>
+          <a:lnRef idx="1">
+            <a:schemeClr val="accent1"/>
+          </a:lnRef>
+          <a:fillRef idx="0">
+            <a:schemeClr val="accent1"/>
+          </a:fillRef>
+          <a:effectRef idx="0">
+            <a:schemeClr val="accent1"/>
+          </a:effectRef>
+          <a:fontRef idx="minor">
+            <a:schemeClr val="tx1"/>
+          </a:fontRef>
+        </p:style>
+      </p:cxnSp>
+      <p:sp>
+        <p:nvSpPr>
+          <p:cNvPr id="26" name="Rectangle 25">
+            <a:extLst>
+              <a:ext uri="{FF2B5EF4-FFF2-40B4-BE49-F238E27FC236}">
+                <a16:creationId xmlns:a16="http://schemas.microsoft.com/office/drawing/2014/main" id="{1DB09BCC-8205-C2E6-CC78-F5E31C6825DC}"/>
+              </a:ext>
+            </a:extLst>
+          </p:cNvPr>
+          <p:cNvSpPr/>
+          <p:nvPr/>
+        </p:nvSpPr>
+        <p:spPr>
+          <a:xfrm>
+            <a:off x="9197705" y="3734362"/>
+            <a:ext cx="1424415" cy="952081"/>
+          </a:xfrm>
+          <a:prstGeom prst="rect">
+            <a:avLst/>
+          </a:prstGeom>
+          <a:solidFill>
+            <a:srgbClr val="B1358D"/>
+          </a:solidFill>
+          <a:ln>
+            <a:noFill/>
+          </a:ln>
+        </p:spPr>
+        <p:style>
+          <a:lnRef idx="2">
+            <a:schemeClr val="accent1">
+              <a:shade val="50000"/>
+            </a:schemeClr>
+          </a:lnRef>
+          <a:fillRef idx="1">
+            <a:schemeClr val="accent1"/>
+          </a:fillRef>
+          <a:effectRef idx="0">
+            <a:schemeClr val="accent1"/>
+          </a:effectRef>
+          <a:fontRef idx="minor">
+            <a:schemeClr val="lt1"/>
+          </a:fontRef>
+        </p:style>
+        <p:txBody>
+          <a:bodyPr rtlCol="0" anchor="ctr"/>
+          <a:lstStyle/>
+          <a:p>
+            <a:pPr algn="ctr"/>
+            <a:r>
+              <a:rPr lang="en-GB" sz="1200" b="1" dirty="0"/>
+              <a:t>Emerging Threats</a:t>
+            </a:r>
+          </a:p>
+        </p:txBody>
+      </p:sp>
+      <p:sp>
+        <p:nvSpPr>
+          <p:cNvPr id="27" name="Rectangle 26">
+            <a:extLst>
+              <a:ext uri="{FF2B5EF4-FFF2-40B4-BE49-F238E27FC236}">
+                <a16:creationId xmlns:a16="http://schemas.microsoft.com/office/drawing/2014/main" id="{8F6BA753-F41F-5B57-8C22-47465C77CD1C}"/>
+              </a:ext>
+            </a:extLst>
+          </p:cNvPr>
+          <p:cNvSpPr/>
+          <p:nvPr/>
+        </p:nvSpPr>
+        <p:spPr>
+          <a:xfrm>
+            <a:off x="233643" y="4707658"/>
+            <a:ext cx="1424415" cy="952081"/>
+          </a:xfrm>
+          <a:prstGeom prst="rect">
+            <a:avLst/>
+          </a:prstGeom>
+          <a:solidFill>
+            <a:srgbClr val="B1358D"/>
+          </a:solidFill>
+          <a:ln>
+            <a:noFill/>
+          </a:ln>
+        </p:spPr>
+        <p:style>
+          <a:lnRef idx="2">
+            <a:schemeClr val="accent1">
+              <a:shade val="50000"/>
+            </a:schemeClr>
+          </a:lnRef>
+          <a:fillRef idx="1">
+            <a:schemeClr val="accent1"/>
+          </a:fillRef>
+          <a:effectRef idx="0">
+            <a:schemeClr val="accent1"/>
+          </a:effectRef>
+          <a:fontRef idx="minor">
+            <a:schemeClr val="lt1"/>
+          </a:fontRef>
+        </p:style>
+        <p:txBody>
+          <a:bodyPr rtlCol="0" anchor="ctr"/>
+          <a:lstStyle/>
+          <a:p>
+            <a:pPr algn="ctr"/>
+            <a:r>
+              <a:rPr lang="en-GB" sz="1200" b="1" dirty="0"/>
+              <a:t>2 Teams</a:t>
+            </a:r>
+          </a:p>
+          <a:p>
+            <a:pPr algn="ctr"/>
+            <a:r>
+              <a:rPr lang="en-GB" sz="1200" b="1" dirty="0"/>
+              <a:t>17 Staff</a:t>
+            </a:r>
+          </a:p>
+        </p:txBody>
+      </p:sp>
+      <p:sp>
+        <p:nvSpPr>
+          <p:cNvPr id="28" name="Rectangle 27">
+            <a:extLst>
+              <a:ext uri="{FF2B5EF4-FFF2-40B4-BE49-F238E27FC236}">
+                <a16:creationId xmlns:a16="http://schemas.microsoft.com/office/drawing/2014/main" id="{46D5305B-C4FA-4C6D-08F3-EFEC6664583C}"/>
+              </a:ext>
+            </a:extLst>
+          </p:cNvPr>
+          <p:cNvSpPr/>
+          <p:nvPr/>
+        </p:nvSpPr>
+        <p:spPr>
+          <a:xfrm>
+            <a:off x="1746062" y="4719157"/>
+            <a:ext cx="1424415" cy="952081"/>
+          </a:xfrm>
+          <a:prstGeom prst="rect">
+            <a:avLst/>
+          </a:prstGeom>
+          <a:solidFill>
+            <a:srgbClr val="B1358D"/>
+          </a:solidFill>
+          <a:ln>
+            <a:noFill/>
+          </a:ln>
+        </p:spPr>
+        <p:style>
+          <a:lnRef idx="2">
+            <a:schemeClr val="accent1">
+              <a:shade val="50000"/>
+            </a:schemeClr>
+          </a:lnRef>
+          <a:fillRef idx="1">
+            <a:schemeClr val="accent1"/>
+          </a:fillRef>
+          <a:effectRef idx="0">
+            <a:schemeClr val="accent1"/>
+          </a:effectRef>
+          <a:fontRef idx="minor">
+            <a:schemeClr val="lt1"/>
+          </a:fontRef>
+        </p:style>
+        <p:txBody>
+          <a:bodyPr rtlCol="0" anchor="ctr"/>
+          <a:lstStyle/>
+          <a:p>
+            <a:pPr algn="ctr"/>
+            <a:r>
+              <a:rPr lang="en-GB" sz="1200" b="1" dirty="0"/>
+              <a:t>4 Teams</a:t>
+            </a:r>
+          </a:p>
+          <a:p>
+            <a:pPr algn="ctr"/>
+            <a:r>
+              <a:rPr lang="en-GB" sz="1200" b="1" dirty="0"/>
+              <a:t>11 Staff</a:t>
+            </a:r>
+          </a:p>
+        </p:txBody>
+      </p:sp>
+      <p:sp>
+        <p:nvSpPr>
+          <p:cNvPr id="29" name="Rectangle 28">
+            <a:extLst>
+              <a:ext uri="{FF2B5EF4-FFF2-40B4-BE49-F238E27FC236}">
+                <a16:creationId xmlns:a16="http://schemas.microsoft.com/office/drawing/2014/main" id="{5540A8DE-6CE6-87F1-CCB6-EBF64307A664}"/>
+              </a:ext>
+            </a:extLst>
+          </p:cNvPr>
+          <p:cNvSpPr/>
+          <p:nvPr/>
+        </p:nvSpPr>
+        <p:spPr>
+          <a:xfrm>
+            <a:off x="3246113" y="4706344"/>
+            <a:ext cx="1424415" cy="952081"/>
+          </a:xfrm>
+          <a:prstGeom prst="rect">
+            <a:avLst/>
+          </a:prstGeom>
+          <a:solidFill>
+            <a:srgbClr val="B1358D"/>
+          </a:solidFill>
+          <a:ln>
+            <a:noFill/>
+          </a:ln>
+        </p:spPr>
+        <p:style>
+          <a:lnRef idx="2">
+            <a:schemeClr val="accent1">
+              <a:shade val="50000"/>
+            </a:schemeClr>
+          </a:lnRef>
+          <a:fillRef idx="1">
+            <a:schemeClr val="accent1"/>
+          </a:fillRef>
+          <a:effectRef idx="0">
+            <a:schemeClr val="accent1"/>
+          </a:effectRef>
+          <a:fontRef idx="minor">
+            <a:schemeClr val="lt1"/>
+          </a:fontRef>
+        </p:style>
+        <p:txBody>
+          <a:bodyPr rtlCol="0" anchor="ctr"/>
+          <a:lstStyle/>
+          <a:p>
+            <a:pPr algn="ctr"/>
+            <a:r>
+              <a:rPr lang="en-GB" sz="1200" b="1" dirty="0"/>
+              <a:t>5 Teams</a:t>
+            </a:r>
+          </a:p>
+          <a:p>
+            <a:pPr algn="ctr"/>
+            <a:r>
+              <a:rPr lang="en-GB" sz="1200" b="1" dirty="0"/>
+              <a:t>22 Staff</a:t>
+            </a:r>
+          </a:p>
+        </p:txBody>
+      </p:sp>
+      <p:sp>
+        <p:nvSpPr>
+          <p:cNvPr id="30" name="Rectangle 29">
+            <a:extLst>
+              <a:ext uri="{FF2B5EF4-FFF2-40B4-BE49-F238E27FC236}">
+                <a16:creationId xmlns:a16="http://schemas.microsoft.com/office/drawing/2014/main" id="{D30A60A5-D6B4-3584-AE10-1181794427BA}"/>
+              </a:ext>
+            </a:extLst>
+          </p:cNvPr>
+          <p:cNvSpPr/>
+          <p:nvPr/>
+        </p:nvSpPr>
+        <p:spPr>
+          <a:xfrm>
+            <a:off x="4762753" y="4714694"/>
+            <a:ext cx="1424415" cy="952081"/>
+          </a:xfrm>
+          <a:prstGeom prst="rect">
+            <a:avLst/>
+          </a:prstGeom>
+          <a:solidFill>
+            <a:srgbClr val="B1358D"/>
+          </a:solidFill>
+          <a:ln>
+            <a:noFill/>
+          </a:ln>
+        </p:spPr>
+        <p:style>
+          <a:lnRef idx="2">
+            <a:schemeClr val="accent1">
+              <a:shade val="50000"/>
+            </a:schemeClr>
+          </a:lnRef>
+          <a:fillRef idx="1">
+            <a:schemeClr val="accent1"/>
+          </a:fillRef>
+          <a:effectRef idx="0">
+            <a:schemeClr val="accent1"/>
+          </a:effectRef>
+          <a:fontRef idx="minor">
+            <a:schemeClr val="lt1"/>
+          </a:fontRef>
+        </p:style>
+        <p:txBody>
+          <a:bodyPr rtlCol="0" anchor="ctr"/>
+          <a:lstStyle/>
+          <a:p>
+            <a:pPr algn="ctr"/>
+            <a:r>
+              <a:rPr lang="en-GB" sz="1200" b="1" dirty="0"/>
+              <a:t>5 Teams</a:t>
+            </a:r>
+          </a:p>
+          <a:p>
+            <a:pPr algn="ctr"/>
+            <a:r>
+              <a:rPr lang="en-GB" sz="1200" b="1" dirty="0"/>
+              <a:t>11 Staff</a:t>
+            </a:r>
+          </a:p>
+        </p:txBody>
+      </p:sp>
+      <p:sp>
+        <p:nvSpPr>
+          <p:cNvPr id="31" name="Rectangle 30">
+            <a:extLst>
+              <a:ext uri="{FF2B5EF4-FFF2-40B4-BE49-F238E27FC236}">
+                <a16:creationId xmlns:a16="http://schemas.microsoft.com/office/drawing/2014/main" id="{B00B8D08-526C-D2A5-9C33-AF89FC581791}"/>
+              </a:ext>
+            </a:extLst>
+          </p:cNvPr>
+          <p:cNvSpPr/>
+          <p:nvPr/>
+        </p:nvSpPr>
+        <p:spPr>
+          <a:xfrm>
+            <a:off x="7690814" y="4738567"/>
+            <a:ext cx="1424415" cy="952081"/>
+          </a:xfrm>
+          <a:prstGeom prst="rect">
+            <a:avLst/>
+          </a:prstGeom>
+          <a:solidFill>
+            <a:srgbClr val="B1358D"/>
+          </a:solidFill>
+          <a:ln>
+            <a:noFill/>
+          </a:ln>
+        </p:spPr>
+        <p:style>
+          <a:lnRef idx="2">
+            <a:schemeClr val="accent1">
+              <a:shade val="50000"/>
+            </a:schemeClr>
+          </a:lnRef>
+          <a:fillRef idx="1">
+            <a:schemeClr val="accent1"/>
+          </a:fillRef>
+          <a:effectRef idx="0">
+            <a:schemeClr val="accent1"/>
+          </a:effectRef>
+          <a:fontRef idx="minor">
+            <a:schemeClr val="lt1"/>
+          </a:fontRef>
+        </p:style>
+        <p:txBody>
+          <a:bodyPr rtlCol="0" anchor="ctr"/>
+          <a:lstStyle/>
+          <a:p>
+            <a:pPr algn="ctr"/>
+            <a:r>
+              <a:rPr lang="en-GB" sz="1200" b="1" dirty="0"/>
+              <a:t>2 Teams</a:t>
+            </a:r>
+          </a:p>
+          <a:p>
+            <a:pPr algn="ctr"/>
+            <a:r>
+              <a:rPr lang="en-GB" sz="1200" b="1" dirty="0"/>
+              <a:t>6 Staff</a:t>
+            </a:r>
+          </a:p>
+        </p:txBody>
+      </p:sp>
+      <p:sp>
+        <p:nvSpPr>
+          <p:cNvPr id="32" name="Rectangle 31">
+            <a:extLst>
+              <a:ext uri="{FF2B5EF4-FFF2-40B4-BE49-F238E27FC236}">
+                <a16:creationId xmlns:a16="http://schemas.microsoft.com/office/drawing/2014/main" id="{C6C0420C-1FC9-C74D-4EE3-2F83FCDB484C}"/>
+              </a:ext>
+            </a:extLst>
+          </p:cNvPr>
+          <p:cNvSpPr/>
+          <p:nvPr/>
+        </p:nvSpPr>
+        <p:spPr>
+          <a:xfrm>
+            <a:off x="9207454" y="4738567"/>
+            <a:ext cx="1424415" cy="952081"/>
+          </a:xfrm>
+          <a:prstGeom prst="rect">
+            <a:avLst/>
+          </a:prstGeom>
+          <a:solidFill>
+            <a:srgbClr val="B1358D"/>
+          </a:solidFill>
+          <a:ln>
+            <a:noFill/>
+          </a:ln>
+        </p:spPr>
+        <p:style>
+          <a:lnRef idx="2">
+            <a:schemeClr val="accent1">
+              <a:shade val="50000"/>
+            </a:schemeClr>
+          </a:lnRef>
+          <a:fillRef idx="1">
+            <a:schemeClr val="accent1"/>
+          </a:fillRef>
+          <a:effectRef idx="0">
+            <a:schemeClr val="accent1"/>
+          </a:effectRef>
+          <a:fontRef idx="minor">
+            <a:schemeClr val="lt1"/>
+          </a:fontRef>
+        </p:style>
+        <p:txBody>
+          <a:bodyPr rtlCol="0" anchor="ctr"/>
+          <a:lstStyle/>
+          <a:p>
+            <a:pPr algn="ctr"/>
+            <a:r>
+              <a:rPr lang="en-GB" sz="1200" b="1" dirty="0"/>
+              <a:t>1 Team</a:t>
+            </a:r>
+          </a:p>
+          <a:p>
+            <a:pPr algn="ctr"/>
+            <a:r>
+              <a:rPr lang="en-GB" sz="1200" b="1" dirty="0"/>
+              <a:t>6 Staff</a:t>
+            </a:r>
+          </a:p>
+        </p:txBody>
+      </p:sp>
+      <p:sp>
+        <p:nvSpPr>
+          <p:cNvPr id="33" name="Rectangle 32">
+            <a:extLst>
+              <a:ext uri="{FF2B5EF4-FFF2-40B4-BE49-F238E27FC236}">
+                <a16:creationId xmlns:a16="http://schemas.microsoft.com/office/drawing/2014/main" id="{4D7D7891-94A3-8F4D-2E64-EEFAC1B9CEC1}"/>
+              </a:ext>
+            </a:extLst>
+          </p:cNvPr>
+          <p:cNvSpPr/>
+          <p:nvPr/>
+        </p:nvSpPr>
+        <p:spPr>
+          <a:xfrm>
+            <a:off x="6272031" y="4738567"/>
+            <a:ext cx="1424415" cy="952081"/>
+          </a:xfrm>
+          <a:prstGeom prst="rect">
+            <a:avLst/>
+          </a:prstGeom>
+          <a:solidFill>
+            <a:srgbClr val="B1358D"/>
+          </a:solidFill>
+          <a:ln>
+            <a:noFill/>
+          </a:ln>
+        </p:spPr>
+        <p:style>
+          <a:lnRef idx="2">
+            <a:schemeClr val="accent1">
+              <a:shade val="50000"/>
+            </a:schemeClr>
+          </a:lnRef>
+          <a:fillRef idx="1">
+            <a:schemeClr val="accent1"/>
+          </a:fillRef>
+          <a:effectRef idx="0">
+            <a:schemeClr val="accent1"/>
+          </a:effectRef>
+          <a:fontRef idx="minor">
+            <a:schemeClr val="lt1"/>
+          </a:fontRef>
+        </p:style>
+        <p:txBody>
+          <a:bodyPr rtlCol="0" anchor="ctr"/>
+          <a:lstStyle/>
+          <a:p>
+            <a:pPr algn="ctr"/>
+            <a:r>
+              <a:rPr lang="en-GB" sz="1200" b="1" dirty="0"/>
+              <a:t>1 Team</a:t>
+            </a:r>
+          </a:p>
+          <a:p>
+            <a:pPr algn="ctr"/>
+            <a:r>
+              <a:rPr lang="en-GB" sz="1200" b="1" dirty="0"/>
+              <a:t>3 Staff</a:t>
+            </a:r>
+          </a:p>
+        </p:txBody>
+      </p:sp>
+      <p:sp>
+        <p:nvSpPr>
+          <p:cNvPr id="34" name="Rectangle 33">
+            <a:extLst>
+              <a:ext uri="{FF2B5EF4-FFF2-40B4-BE49-F238E27FC236}">
+                <a16:creationId xmlns:a16="http://schemas.microsoft.com/office/drawing/2014/main" id="{92EEE9A8-8509-70AA-95DD-EC1F51F937EC}"/>
+              </a:ext>
+            </a:extLst>
+          </p:cNvPr>
+          <p:cNvSpPr/>
+          <p:nvPr/>
+        </p:nvSpPr>
+        <p:spPr>
+          <a:xfrm>
+            <a:off x="10678547" y="4714694"/>
+            <a:ext cx="1424415" cy="952081"/>
+          </a:xfrm>
+          <a:prstGeom prst="rect">
+            <a:avLst/>
+          </a:prstGeom>
+          <a:solidFill>
+            <a:srgbClr val="B1358D"/>
+          </a:solidFill>
+          <a:ln>
+            <a:noFill/>
+          </a:ln>
+        </p:spPr>
+        <p:style>
+          <a:lnRef idx="2">
+            <a:schemeClr val="accent1">
+              <a:shade val="50000"/>
+            </a:schemeClr>
+          </a:lnRef>
+          <a:fillRef idx="1">
+            <a:schemeClr val="accent1"/>
+          </a:fillRef>
+          <a:effectRef idx="0">
+            <a:schemeClr val="accent1"/>
+          </a:effectRef>
+          <a:fontRef idx="minor">
+            <a:schemeClr val="lt1"/>
+          </a:fontRef>
+        </p:style>
+        <p:txBody>
+          <a:bodyPr rtlCol="0" anchor="ctr"/>
+          <a:lstStyle/>
+          <a:p>
+            <a:pPr algn="ctr"/>
+            <a:r>
+              <a:rPr lang="en-GB" sz="1200" b="1" dirty="0"/>
+              <a:t>1 Team</a:t>
+            </a:r>
+          </a:p>
+          <a:p>
+            <a:pPr algn="ctr"/>
+            <a:r>
+              <a:rPr lang="en-GB" sz="1200" b="1" dirty="0"/>
+              <a:t>7</a:t>
+            </a:r>
+            <a:r>
+              <a:rPr lang="en-GB" sz="1200" b="1"/>
+              <a:t> </a:t>
+            </a:r>
+            <a:r>
+              <a:rPr lang="en-GB" sz="1200" b="1" dirty="0"/>
+              <a:t>Staff</a:t>
+            </a:r>
           </a:p>
         </p:txBody>
       </p:sp>

--- a/Exeter MBA/1SLA23 - Leading People and Organisations/Assignment 2/Assignment 2 - BoE Cyber Security Leadership Strategy.pptx
+++ b/Exeter MBA/1SLA23 - Leading People and Organisations/Assignment 2/Assignment 2 - BoE Cyber Security Leadership Strategy.pptx
@@ -22,7 +22,7 @@
     <p:sldId id="399" r:id="rId13"/>
   </p:sldIdLst>
   <p:sldSz cx="12192000" cy="6858000"/>
-  <p:notesSz cx="6858000" cy="9144000"/>
+  <p:notesSz cx="6805613" cy="9944100"/>
   <p:custDataLst>
     <p:tags r:id="rId15"/>
   </p:custDataLst>
@@ -15524,7 +15524,7 @@
         <p:spPr>
           <a:xfrm>
             <a:off x="0" y="0"/>
-            <a:ext cx="2971800" cy="458788"/>
+            <a:ext cx="2949099" cy="498932"/>
           </a:xfrm>
           <a:prstGeom prst="rect">
             <a:avLst/>
@@ -15554,8 +15554,8 @@
         </p:nvSpPr>
         <p:spPr>
           <a:xfrm>
-            <a:off x="3884613" y="0"/>
-            <a:ext cx="2971800" cy="458788"/>
+            <a:off x="3854939" y="0"/>
+            <a:ext cx="2949099" cy="498932"/>
           </a:xfrm>
           <a:prstGeom prst="rect">
             <a:avLst/>
@@ -15571,7 +15571,7 @@
           <a:p>
             <a:fld id="{4340E002-B88B-4BB0-BA5A-919501F4FBF2}" type="datetimeFigureOut">
               <a:rPr lang="en-GB" smtClean="0"/>
-              <a:t>03/12/2023</a:t>
+              <a:t>06/12/2023</a:t>
             </a:fld>
             <a:endParaRPr lang="en-GB"/>
           </a:p>
@@ -15589,8 +15589,8 @@
         </p:nvSpPr>
         <p:spPr>
           <a:xfrm>
-            <a:off x="685800" y="1143000"/>
-            <a:ext cx="5486400" cy="3086100"/>
+            <a:off x="420688" y="1243013"/>
+            <a:ext cx="5964237" cy="3355975"/>
           </a:xfrm>
           <a:prstGeom prst="rect">
             <a:avLst/>
@@ -15622,8 +15622,8 @@
         </p:nvSpPr>
         <p:spPr>
           <a:xfrm>
-            <a:off x="685800" y="4400550"/>
-            <a:ext cx="5486400" cy="3600450"/>
+            <a:off x="680562" y="4785598"/>
+            <a:ext cx="5444490" cy="3915489"/>
           </a:xfrm>
           <a:prstGeom prst="rect">
             <a:avLst/>
@@ -15682,8 +15682,8 @@
         </p:nvSpPr>
         <p:spPr>
           <a:xfrm>
-            <a:off x="0" y="8685213"/>
-            <a:ext cx="2971800" cy="458787"/>
+            <a:off x="0" y="9445170"/>
+            <a:ext cx="2949099" cy="498931"/>
           </a:xfrm>
           <a:prstGeom prst="rect">
             <a:avLst/>
@@ -15713,8 +15713,8 @@
         </p:nvSpPr>
         <p:spPr>
           <a:xfrm>
-            <a:off x="3884613" y="8685213"/>
-            <a:ext cx="2971800" cy="458787"/>
+            <a:off x="3854939" y="9445170"/>
+            <a:ext cx="2949099" cy="498931"/>
           </a:xfrm>
           <a:prstGeom prst="rect">
             <a:avLst/>
@@ -25733,7 +25733,7 @@
 </file>
 
 <file path=ppt/slides/slide11.xml><?xml version="1.0" encoding="utf-8"?>
-<p:sld xmlns:a="http://schemas.openxmlformats.org/drawingml/2006/main" xmlns:r="http://schemas.openxmlformats.org/officeDocument/2006/relationships" xmlns:p="http://schemas.openxmlformats.org/presentationml/2006/main">
+<p:sld xmlns:a="http://schemas.openxmlformats.org/drawingml/2006/main" xmlns:r="http://schemas.openxmlformats.org/officeDocument/2006/relationships" xmlns:p="http://schemas.openxmlformats.org/presentationml/2006/main" show="0">
   <p:cSld>
     <p:spTree>
       <p:nvGrpSpPr>
@@ -25884,7 +25884,7 @@
 </file>
 
 <file path=ppt/slides/slide12.xml><?xml version="1.0" encoding="utf-8"?>
-<p:sld xmlns:a="http://schemas.openxmlformats.org/drawingml/2006/main" xmlns:r="http://schemas.openxmlformats.org/officeDocument/2006/relationships" xmlns:p="http://schemas.openxmlformats.org/presentationml/2006/main">
+<p:sld xmlns:a="http://schemas.openxmlformats.org/drawingml/2006/main" xmlns:r="http://schemas.openxmlformats.org/officeDocument/2006/relationships" xmlns:p="http://schemas.openxmlformats.org/presentationml/2006/main" show="0">
   <p:cSld>
     <p:spTree>
       <p:nvGrpSpPr>
